--- a/Red Planet Voyagers.pptx
+++ b/Red Planet Voyagers.pptx
@@ -122,9 +122,146 @@
 <file path=ppt/revisionInfo.xml><?xml version="1.0" encoding="utf-8"?>
 <p1510:revInfo xmlns:a="http://schemas.openxmlformats.org/drawingml/2006/main" xmlns:r="http://schemas.openxmlformats.org/officeDocument/2006/relationships" xmlns:p1510="http://schemas.microsoft.com/office/powerpoint/2015/10/main">
   <p1510:revLst>
+    <p1510:client id="{42B03C0D-4B08-4885-8596-9175CEC8436D}" v="1023" dt="2020-06-25T00:36:36.074"/>
     <p1510:client id="{EF49083C-926F-4274-81A2-C20C6FBFB803}" v="1585" dt="2020-06-23T20:15:11.812"/>
   </p1510:revLst>
 </p1510:revInfo>
+</file>
+
+<file path=ppt/changesInfos/changesInfo1.xml><?xml version="1.0" encoding="utf-8"?>
+<pc:chgInfo xmlns:a="http://schemas.openxmlformats.org/drawingml/2006/main" xmlns:r="http://schemas.openxmlformats.org/officeDocument/2006/relationships" xmlns:ac="http://schemas.microsoft.com/office/drawing/2013/main/command" xmlns:pc="http://schemas.microsoft.com/office/powerpoint/2013/main/command">
+  <pc:docChgLst>
+    <pc:chgData name="Julia Hopkins" userId="d93a19b81f223cea" providerId="Windows Live" clId="Web-{42B03C0D-4B08-4885-8596-9175CEC8436D}"/>
+    <pc:docChg chg="modSld">
+      <pc:chgData name="Julia Hopkins" userId="d93a19b81f223cea" providerId="Windows Live" clId="Web-{42B03C0D-4B08-4885-8596-9175CEC8436D}" dt="2020-06-25T00:36:36.074" v="1016" actId="20577"/>
+      <pc:docMkLst>
+        <pc:docMk/>
+      </pc:docMkLst>
+      <pc:sldChg chg="modSp">
+        <pc:chgData name="Julia Hopkins" userId="d93a19b81f223cea" providerId="Windows Live" clId="Web-{42B03C0D-4B08-4885-8596-9175CEC8436D}" dt="2020-06-25T00:16:00.023" v="17" actId="20577"/>
+        <pc:sldMkLst>
+          <pc:docMk/>
+          <pc:sldMk cId="2526593619" sldId="256"/>
+        </pc:sldMkLst>
+        <pc:spChg chg="mod">
+          <ac:chgData name="Julia Hopkins" userId="d93a19b81f223cea" providerId="Windows Live" clId="Web-{42B03C0D-4B08-4885-8596-9175CEC8436D}" dt="2020-06-25T00:16:00.023" v="17" actId="20577"/>
+          <ac:spMkLst>
+            <pc:docMk/>
+            <pc:sldMk cId="2526593619" sldId="256"/>
+            <ac:spMk id="2" creationId="{00000000-0000-0000-0000-000000000000}"/>
+          </ac:spMkLst>
+        </pc:spChg>
+      </pc:sldChg>
+      <pc:sldChg chg="modSp">
+        <pc:chgData name="Julia Hopkins" userId="d93a19b81f223cea" providerId="Windows Live" clId="Web-{42B03C0D-4B08-4885-8596-9175CEC8436D}" dt="2020-06-25T00:16:48.275" v="26" actId="20577"/>
+        <pc:sldMkLst>
+          <pc:docMk/>
+          <pc:sldMk cId="3589254911" sldId="257"/>
+        </pc:sldMkLst>
+        <pc:spChg chg="mod">
+          <ac:chgData name="Julia Hopkins" userId="d93a19b81f223cea" providerId="Windows Live" clId="Web-{42B03C0D-4B08-4885-8596-9175CEC8436D}" dt="2020-06-25T00:16:48.275" v="26" actId="20577"/>
+          <ac:spMkLst>
+            <pc:docMk/>
+            <pc:sldMk cId="3589254911" sldId="257"/>
+            <ac:spMk id="3" creationId="{DB2969DA-38FC-4F2F-B4E1-F7871F5F4CB6}"/>
+          </ac:spMkLst>
+        </pc:spChg>
+      </pc:sldChg>
+      <pc:sldChg chg="modSp">
+        <pc:chgData name="Julia Hopkins" userId="d93a19b81f223cea" providerId="Windows Live" clId="Web-{42B03C0D-4B08-4885-8596-9175CEC8436D}" dt="2020-06-25T00:26:16.830" v="306" actId="20577"/>
+        <pc:sldMkLst>
+          <pc:docMk/>
+          <pc:sldMk cId="2199725780" sldId="259"/>
+        </pc:sldMkLst>
+        <pc:spChg chg="mod">
+          <ac:chgData name="Julia Hopkins" userId="d93a19b81f223cea" providerId="Windows Live" clId="Web-{42B03C0D-4B08-4885-8596-9175CEC8436D}" dt="2020-06-25T00:25:41.719" v="285" actId="14100"/>
+          <ac:spMkLst>
+            <pc:docMk/>
+            <pc:sldMk cId="2199725780" sldId="259"/>
+            <ac:spMk id="2" creationId="{43AD63B1-700A-4CB3-BBB9-4B3A06ECDFAC}"/>
+          </ac:spMkLst>
+        </pc:spChg>
+        <pc:spChg chg="mod">
+          <ac:chgData name="Julia Hopkins" userId="d93a19b81f223cea" providerId="Windows Live" clId="Web-{42B03C0D-4B08-4885-8596-9175CEC8436D}" dt="2020-06-25T00:26:16.830" v="306" actId="20577"/>
+          <ac:spMkLst>
+            <pc:docMk/>
+            <pc:sldMk cId="2199725780" sldId="259"/>
+            <ac:spMk id="3" creationId="{B0D089AB-FF4D-472F-9157-872AA5EB00D9}"/>
+          </ac:spMkLst>
+        </pc:spChg>
+      </pc:sldChg>
+      <pc:sldChg chg="modSp">
+        <pc:chgData name="Julia Hopkins" userId="d93a19b81f223cea" providerId="Windows Live" clId="Web-{42B03C0D-4B08-4885-8596-9175CEC8436D}" dt="2020-06-25T00:27:55.506" v="376" actId="20577"/>
+        <pc:sldMkLst>
+          <pc:docMk/>
+          <pc:sldMk cId="169047527" sldId="260"/>
+        </pc:sldMkLst>
+        <pc:spChg chg="mod">
+          <ac:chgData name="Julia Hopkins" userId="d93a19b81f223cea" providerId="Windows Live" clId="Web-{42B03C0D-4B08-4885-8596-9175CEC8436D}" dt="2020-06-25T00:27:13.582" v="348" actId="1076"/>
+          <ac:spMkLst>
+            <pc:docMk/>
+            <pc:sldMk cId="169047527" sldId="260"/>
+            <ac:spMk id="2" creationId="{1D67EA77-ACAE-4DD2-A5D7-79088835CFC5}"/>
+          </ac:spMkLst>
+        </pc:spChg>
+        <pc:spChg chg="mod">
+          <ac:chgData name="Julia Hopkins" userId="d93a19b81f223cea" providerId="Windows Live" clId="Web-{42B03C0D-4B08-4885-8596-9175CEC8436D}" dt="2020-06-25T00:27:26.301" v="351" actId="1076"/>
+          <ac:spMkLst>
+            <pc:docMk/>
+            <pc:sldMk cId="169047527" sldId="260"/>
+            <ac:spMk id="3" creationId="{F0EA4BB8-4D01-47F0-9420-B98FD5FE6C79}"/>
+          </ac:spMkLst>
+        </pc:spChg>
+        <pc:spChg chg="mod">
+          <ac:chgData name="Julia Hopkins" userId="d93a19b81f223cea" providerId="Windows Live" clId="Web-{42B03C0D-4B08-4885-8596-9175CEC8436D}" dt="2020-06-25T00:27:55.506" v="376" actId="20577"/>
+          <ac:spMkLst>
+            <pc:docMk/>
+            <pc:sldMk cId="169047527" sldId="260"/>
+            <ac:spMk id="4" creationId="{6EFF0D1A-A50C-4CF9-8304-9A6CA0FC2518}"/>
+          </ac:spMkLst>
+        </pc:spChg>
+      </pc:sldChg>
+      <pc:sldChg chg="modSp">
+        <pc:chgData name="Julia Hopkins" userId="d93a19b81f223cea" providerId="Windows Live" clId="Web-{42B03C0D-4B08-4885-8596-9175CEC8436D}" dt="2020-06-25T00:33:50.848" v="688" actId="20577"/>
+        <pc:sldMkLst>
+          <pc:docMk/>
+          <pc:sldMk cId="2796108434" sldId="261"/>
+        </pc:sldMkLst>
+        <pc:spChg chg="mod">
+          <ac:chgData name="Julia Hopkins" userId="d93a19b81f223cea" providerId="Windows Live" clId="Web-{42B03C0D-4B08-4885-8596-9175CEC8436D}" dt="2020-06-25T00:30:35.684" v="528" actId="20577"/>
+          <ac:spMkLst>
+            <pc:docMk/>
+            <pc:sldMk cId="2796108434" sldId="261"/>
+            <ac:spMk id="3" creationId="{59476A61-4ABB-4960-8A0E-9FCBA45E1970}"/>
+          </ac:spMkLst>
+        </pc:spChg>
+        <pc:spChg chg="mod">
+          <ac:chgData name="Julia Hopkins" userId="d93a19b81f223cea" providerId="Windows Live" clId="Web-{42B03C0D-4B08-4885-8596-9175CEC8436D}" dt="2020-06-25T00:33:50.848" v="688" actId="20577"/>
+          <ac:spMkLst>
+            <pc:docMk/>
+            <pc:sldMk cId="2796108434" sldId="261"/>
+            <ac:spMk id="4" creationId="{642A8A16-7129-460C-B721-7EEF15449764}"/>
+          </ac:spMkLst>
+        </pc:spChg>
+      </pc:sldChg>
+      <pc:sldChg chg="modSp">
+        <pc:chgData name="Julia Hopkins" userId="d93a19b81f223cea" providerId="Windows Live" clId="Web-{42B03C0D-4B08-4885-8596-9175CEC8436D}" dt="2020-06-25T00:36:36.074" v="1015" actId="20577"/>
+        <pc:sldMkLst>
+          <pc:docMk/>
+          <pc:sldMk cId="987964665" sldId="262"/>
+        </pc:sldMkLst>
+        <pc:spChg chg="mod">
+          <ac:chgData name="Julia Hopkins" userId="d93a19b81f223cea" providerId="Windows Live" clId="Web-{42B03C0D-4B08-4885-8596-9175CEC8436D}" dt="2020-06-25T00:36:36.074" v="1015" actId="20577"/>
+          <ac:spMkLst>
+            <pc:docMk/>
+            <pc:sldMk cId="987964665" sldId="262"/>
+            <ac:spMk id="3" creationId="{3AD0EB75-392A-4FD2-8941-7E7DEC570A3A}"/>
+          </ac:spMkLst>
+        </pc:spChg>
+      </pc:sldChg>
+    </pc:docChg>
+  </pc:docChgLst>
+</pc:chgInfo>
 </file>
 
 <file path=ppt/slideLayouts/slideLayout1.xml><?xml version="1.0" encoding="utf-8"?>
@@ -357,7 +494,7 @@
             <a:fld id="{B61BEF0D-F0BB-DE4B-95CE-6DB70DBA9567}" type="datetimeFigureOut">
               <a:rPr lang="en-US" dirty="0"/>
               <a:pPr/>
-              <a:t>6/23/2020</a:t>
+              <a:t>6/24/2020</a:t>
             </a:fld>
             <a:endParaRPr lang="en-US" dirty="0"/>
           </a:p>
@@ -688,7 +825,7 @@
             <a:fld id="{B61BEF0D-F0BB-DE4B-95CE-6DB70DBA9567}" type="datetimeFigureOut">
               <a:rPr lang="en-US" dirty="0"/>
               <a:pPr/>
-              <a:t>6/23/2020</a:t>
+              <a:t>6/24/2020</a:t>
             </a:fld>
             <a:endParaRPr lang="en-US" dirty="0"/>
           </a:p>
@@ -963,7 +1100,7 @@
             <a:fld id="{B61BEF0D-F0BB-DE4B-95CE-6DB70DBA9567}" type="datetimeFigureOut">
               <a:rPr lang="en-US" dirty="0"/>
               <a:pPr/>
-              <a:t>6/23/2020</a:t>
+              <a:t>6/24/2020</a:t>
             </a:fld>
             <a:endParaRPr lang="en-US" dirty="0"/>
           </a:p>
@@ -1528,7 +1665,7 @@
             <a:fld id="{B61BEF0D-F0BB-DE4B-95CE-6DB70DBA9567}" type="datetimeFigureOut">
               <a:rPr lang="en-US" dirty="0"/>
               <a:pPr/>
-              <a:t>6/23/2020</a:t>
+              <a:t>6/24/2020</a:t>
             </a:fld>
             <a:endParaRPr lang="en-US" dirty="0"/>
           </a:p>
@@ -1803,7 +1940,7 @@
             <a:fld id="{B61BEF0D-F0BB-DE4B-95CE-6DB70DBA9567}" type="datetimeFigureOut">
               <a:rPr lang="en-US" dirty="0"/>
               <a:pPr/>
-              <a:t>6/23/2020</a:t>
+              <a:t>6/24/2020</a:t>
             </a:fld>
             <a:endParaRPr lang="en-US" dirty="0"/>
           </a:p>
@@ -2362,7 +2499,7 @@
             <a:fld id="{B61BEF0D-F0BB-DE4B-95CE-6DB70DBA9567}" type="datetimeFigureOut">
               <a:rPr lang="en-US" dirty="0"/>
               <a:pPr/>
-              <a:t>6/23/2020</a:t>
+              <a:t>6/24/2020</a:t>
             </a:fld>
             <a:endParaRPr lang="en-US" dirty="0"/>
           </a:p>
@@ -2686,7 +2823,7 @@
             <a:fld id="{B61BEF0D-F0BB-DE4B-95CE-6DB70DBA9567}" type="datetimeFigureOut">
               <a:rPr lang="en-US" dirty="0"/>
               <a:pPr/>
-              <a:t>6/23/2020</a:t>
+              <a:t>6/24/2020</a:t>
             </a:fld>
             <a:endParaRPr lang="en-US" dirty="0"/>
           </a:p>
@@ -2860,7 +2997,7 @@
             <a:fld id="{B61BEF0D-F0BB-DE4B-95CE-6DB70DBA9567}" type="datetimeFigureOut">
               <a:rPr lang="en-US" dirty="0"/>
               <a:pPr/>
-              <a:t>6/23/2020</a:t>
+              <a:t>6/24/2020</a:t>
             </a:fld>
             <a:endParaRPr lang="en-US" dirty="0"/>
           </a:p>
@@ -3095,7 +3232,7 @@
             <a:fld id="{B61BEF0D-F0BB-DE4B-95CE-6DB70DBA9567}" type="datetimeFigureOut">
               <a:rPr lang="en-US" dirty="0"/>
               <a:pPr/>
-              <a:t>6/23/2020</a:t>
+              <a:t>6/24/2020</a:t>
             </a:fld>
             <a:endParaRPr lang="en-US" dirty="0"/>
           </a:p>
@@ -3292,7 +3429,7 @@
             <a:fld id="{B61BEF0D-F0BB-DE4B-95CE-6DB70DBA9567}" type="datetimeFigureOut">
               <a:rPr lang="en-US" dirty="0"/>
               <a:pPr/>
-              <a:t>6/23/2020</a:t>
+              <a:t>6/24/2020</a:t>
             </a:fld>
             <a:endParaRPr lang="en-US" dirty="0"/>
           </a:p>
@@ -3565,7 +3702,7 @@
             <a:fld id="{B61BEF0D-F0BB-DE4B-95CE-6DB70DBA9567}" type="datetimeFigureOut">
               <a:rPr lang="en-US" dirty="0"/>
               <a:pPr/>
-              <a:t>6/23/2020</a:t>
+              <a:t>6/24/2020</a:t>
             </a:fld>
             <a:endParaRPr lang="en-US" dirty="0"/>
           </a:p>
@@ -3828,7 +3965,7 @@
             <a:fld id="{B61BEF0D-F0BB-DE4B-95CE-6DB70DBA9567}" type="datetimeFigureOut">
               <a:rPr lang="en-US" dirty="0"/>
               <a:pPr/>
-              <a:t>6/23/2020</a:t>
+              <a:t>6/24/2020</a:t>
             </a:fld>
             <a:endParaRPr lang="en-US" dirty="0"/>
           </a:p>
@@ -4199,7 +4336,7 @@
             <a:fld id="{B61BEF0D-F0BB-DE4B-95CE-6DB70DBA9567}" type="datetimeFigureOut">
               <a:rPr lang="en-US" dirty="0"/>
               <a:pPr/>
-              <a:t>6/23/2020</a:t>
+              <a:t>6/24/2020</a:t>
             </a:fld>
             <a:endParaRPr lang="en-US" dirty="0"/>
           </a:p>
@@ -4344,7 +4481,7 @@
             <a:fld id="{B61BEF0D-F0BB-DE4B-95CE-6DB70DBA9567}" type="datetimeFigureOut">
               <a:rPr lang="en-US" dirty="0"/>
               <a:pPr/>
-              <a:t>6/23/2020</a:t>
+              <a:t>6/24/2020</a:t>
             </a:fld>
             <a:endParaRPr lang="en-US" dirty="0"/>
           </a:p>
@@ -4466,7 +4603,7 @@
             <a:fld id="{B61BEF0D-F0BB-DE4B-95CE-6DB70DBA9567}" type="datetimeFigureOut">
               <a:rPr lang="en-US" dirty="0"/>
               <a:pPr/>
-              <a:t>6/23/2020</a:t>
+              <a:t>6/24/2020</a:t>
             </a:fld>
             <a:endParaRPr lang="en-US" dirty="0"/>
           </a:p>
@@ -4748,7 +4885,7 @@
             <a:fld id="{B61BEF0D-F0BB-DE4B-95CE-6DB70DBA9567}" type="datetimeFigureOut">
               <a:rPr lang="en-US" dirty="0"/>
               <a:pPr/>
-              <a:t>6/23/2020</a:t>
+              <a:t>6/24/2020</a:t>
             </a:fld>
             <a:endParaRPr lang="en-US" dirty="0"/>
           </a:p>
@@ -5069,7 +5206,7 @@
             <a:fld id="{B61BEF0D-F0BB-DE4B-95CE-6DB70DBA9567}" type="datetimeFigureOut">
               <a:rPr lang="en-US" dirty="0"/>
               <a:pPr/>
-              <a:t>6/23/2020</a:t>
+              <a:t>6/24/2020</a:t>
             </a:fld>
             <a:endParaRPr lang="en-US" dirty="0"/>
           </a:p>
@@ -5280,7 +5417,7 @@
             <a:fld id="{B61BEF0D-F0BB-DE4B-95CE-6DB70DBA9567}" type="datetimeFigureOut">
               <a:rPr lang="en-US" dirty="0"/>
               <a:pPr/>
-              <a:t>6/23/2020</a:t>
+              <a:t>6/24/2020</a:t>
             </a:fld>
             <a:endParaRPr lang="en-US" dirty="0"/>
           </a:p>
@@ -5805,23 +5942,27 @@
           <a:lstStyle/>
           <a:p>
             <a:r>
-              <a:rPr lang="en-US">
-                <a:cs typeface="Calibri Light"/>
+              <a:rPr lang="en-US" b="1" dirty="0">
+                <a:ea typeface="+mj-lt"/>
+                <a:cs typeface="+mj-lt"/>
               </a:rPr>
               <a:t>Red Planet voyagers</a:t>
             </a:r>
             <a:br>
-              <a:rPr lang="en-US" dirty="0">
-                <a:cs typeface="Calibri Light"/>
+              <a:rPr lang="en-US" b="1" dirty="0">
+                <a:cs typeface="+mj-lt"/>
               </a:rPr>
             </a:br>
             <a:r>
               <a:rPr lang="en-US" sz="2400" dirty="0">
-                <a:cs typeface="Calibri Light"/>
-              </a:rPr>
-              <a:t>TAG LINE</a:t>
-            </a:r>
-            <a:endParaRPr lang="en-US" dirty="0"/>
+                <a:ea typeface="+mj-lt"/>
+                <a:cs typeface="+mj-lt"/>
+              </a:rPr>
+              <a:t>An app ready for your future voyage to Mars</a:t>
+            </a:r>
+            <a:endParaRPr lang="en-US" sz="2400" dirty="0">
+              <a:cs typeface="Calibri Light"/>
+            </a:endParaRPr>
           </a:p>
         </p:txBody>
       </p:sp>
@@ -5962,16 +6103,21 @@
         </p:nvSpPr>
         <p:spPr/>
         <p:txBody>
-          <a:bodyPr/>
-          <a:lstStyle/>
-          <a:p>
-            <a:r>
-              <a:rPr lang="en-US" dirty="0">
-                <a:cs typeface="Calibri"/>
-              </a:rPr>
-              <a:t>An app ready for your future voyage to Mars.</a:t>
-            </a:r>
-            <a:endParaRPr lang="en-US" dirty="0"/>
+          <a:bodyPr>
+            <a:normAutofit/>
+          </a:bodyPr>
+          <a:lstStyle/>
+          <a:p>
+            <a:r>
+              <a:rPr lang="en-US" sz="2400" dirty="0">
+                <a:ea typeface="+mn-lt"/>
+                <a:cs typeface="+mn-lt"/>
+              </a:rPr>
+              <a:t>Looking to vacation to Mars? Check the weather for your stay before you go! Red Planet Voyagers, your daily dose of Mars info. View weather trends, forecast, and data charts. View photos for a more enticing visit and view upcoming launch dates!</a:t>
+            </a:r>
+            <a:endParaRPr lang="en-US" sz="2000" dirty="0">
+              <a:cs typeface="Calibri" panose="020F0502020204030204"/>
+            </a:endParaRPr>
           </a:p>
         </p:txBody>
       </p:sp>
@@ -6087,7 +6233,12 @@
             <p:ph type="title"/>
           </p:nvPr>
         </p:nvSpPr>
-        <p:spPr/>
+        <p:spPr>
+          <a:xfrm>
+            <a:off x="685801" y="182880"/>
+            <a:ext cx="10131425" cy="927947"/>
+          </a:xfrm>
+        </p:spPr>
         <p:txBody>
           <a:bodyPr/>
           <a:lstStyle/>
@@ -6118,52 +6269,77 @@
             <p:ph idx="1"/>
           </p:nvPr>
         </p:nvSpPr>
-        <p:spPr/>
+        <p:spPr>
+          <a:xfrm>
+            <a:off x="685801" y="1115907"/>
+            <a:ext cx="10131425" cy="5396653"/>
+          </a:xfrm>
+        </p:spPr>
         <p:txBody>
           <a:bodyPr>
-            <a:normAutofit lnSpcReduction="10000"/>
+            <a:normAutofit fontScale="92500" lnSpcReduction="10000"/>
           </a:bodyPr>
           <a:lstStyle/>
           <a:p>
+            <a:r>
+              <a:rPr lang="en-US" u="sng" dirty="0">
+                <a:cs typeface="Calibri"/>
+              </a:rPr>
+              <a:t>Description</a:t>
+            </a:r>
+          </a:p>
+          <a:p>
+            <a:pPr lvl="1"/>
             <a:r>
               <a:rPr lang="en-US" dirty="0">
                 <a:cs typeface="Calibri"/>
               </a:rPr>
-              <a:t>Description</a:t>
-            </a:r>
-          </a:p>
-          <a:p>
-            <a:pPr lvl="1"/>
+              <a:t>This project provides prospective Mars Voyagers with general info on Mars. When prospective voyagers signup and login to the app, they are provided:</a:t>
+            </a:r>
+          </a:p>
+          <a:p>
+            <a:pPr lvl="2"/>
             <a:r>
               <a:rPr lang="en-US" dirty="0">
                 <a:cs typeface="Calibri"/>
               </a:rPr>
-              <a:t>This project provides prospective Mars Voyagers with general info on Mars. When prospective voyagers signup and login to the app, they are provided more info for the weather on Mars, charts that display min and max temperatures, Rover photos, and email notifications for future SpaceX rocket launches.</a:t>
-            </a:r>
-          </a:p>
-          <a:p>
+              <a:t> more info for the weather on Mars</a:t>
+            </a:r>
+          </a:p>
+          <a:p>
+            <a:pPr lvl="2"/>
             <a:r>
               <a:rPr lang="en-US" dirty="0">
                 <a:cs typeface="Calibri"/>
               </a:rPr>
-              <a:t>Motivation for Development</a:t>
-            </a:r>
-          </a:p>
-          <a:p>
-            <a:pPr lvl="1"/>
+              <a:t> charts that display min and max temperatures</a:t>
+            </a:r>
+          </a:p>
+          <a:p>
+            <a:pPr lvl="2"/>
             <a:r>
               <a:rPr lang="en-US" dirty="0">
                 <a:cs typeface="Calibri"/>
               </a:rPr>
-              <a:t>This project started with a mutual team interest in space. When researching API's to use, we discovered multiple uses for the NASA API. In looking at the NASA API's capabilities and with the recent SpaceX launch in mind, we determined a need for an application to help prospective voyagers prepare for their future voyage to Mars.</a:t>
-            </a:r>
-          </a:p>
-          <a:p>
+              <a:t> Rover photos</a:t>
+            </a:r>
+          </a:p>
+          <a:p>
+            <a:pPr lvl="2"/>
             <a:r>
               <a:rPr lang="en-US" dirty="0">
                 <a:cs typeface="Calibri"/>
               </a:rPr>
-              <a:t>User Story</a:t>
+              <a:t> notification of future SpaceX rocket launches</a:t>
+            </a:r>
+            <a:endParaRPr lang="en-US" dirty="0"/>
+          </a:p>
+          <a:p>
+            <a:r>
+              <a:rPr lang="en-US" u="sng" dirty="0">
+                <a:cs typeface="Calibri"/>
+              </a:rPr>
+              <a:t>Motivation for Development</a:t>
             </a:r>
           </a:p>
           <a:p>
@@ -6172,7 +6348,75 @@
               <a:rPr lang="en-US" dirty="0">
                 <a:cs typeface="Calibri"/>
               </a:rPr>
-              <a:t>As a user interested in future voyages to Mars, I want to know the weather on Mars and get notifications of the next launch, so that I can prepare for my future Mars voyage.</a:t>
+              <a:t>This project started with a mutual team interest in space. </a:t>
+            </a:r>
+          </a:p>
+          <a:p>
+            <a:pPr lvl="1"/>
+            <a:r>
+              <a:rPr lang="en-US" dirty="0">
+                <a:cs typeface="Calibri"/>
+              </a:rPr>
+              <a:t>When researching how to integrate space data, we discovered multiple uses for the NASA API. </a:t>
+            </a:r>
+            <a:endParaRPr lang="en-US">
+              <a:cs typeface="Calibri"/>
+            </a:endParaRPr>
+          </a:p>
+          <a:p>
+            <a:pPr lvl="1"/>
+            <a:r>
+              <a:rPr lang="en-US" dirty="0">
+                <a:cs typeface="Calibri"/>
+              </a:rPr>
+              <a:t>In looking at the NASA API's capabilities and with the recent SpaceX launch in mind, we determined a need for an application to help prospective voyagers prepare for their future voyage to Mars. </a:t>
+            </a:r>
+            <a:endParaRPr lang="en-US">
+              <a:cs typeface="Calibri"/>
+            </a:endParaRPr>
+          </a:p>
+          <a:p>
+            <a:pPr lvl="1"/>
+            <a:r>
+              <a:rPr lang="en-US" dirty="0">
+                <a:cs typeface="Calibri"/>
+              </a:rPr>
+              <a:t>Now, we're ahead of the space race by providing and application that is available prior to Mars travel.</a:t>
+            </a:r>
+          </a:p>
+          <a:p>
+            <a:r>
+              <a:rPr lang="en-US" u="sng" dirty="0">
+                <a:cs typeface="Calibri"/>
+              </a:rPr>
+              <a:t>User Story</a:t>
+            </a:r>
+          </a:p>
+          <a:p>
+            <a:pPr lvl="1"/>
+            <a:r>
+              <a:rPr lang="en-US" dirty="0">
+                <a:cs typeface="Calibri"/>
+              </a:rPr>
+              <a:t>As a user interested in future voyages to Mars</a:t>
+            </a:r>
+          </a:p>
+          <a:p>
+            <a:pPr lvl="1"/>
+            <a:r>
+              <a:rPr lang="en-US" dirty="0">
+                <a:cs typeface="Calibri"/>
+              </a:rPr>
+              <a:t>I want to know the weather on Mars and get notifications of the next launch</a:t>
+            </a:r>
+          </a:p>
+          <a:p>
+            <a:pPr lvl="1"/>
+            <a:r>
+              <a:rPr lang="en-US" dirty="0">
+                <a:cs typeface="Calibri"/>
+              </a:rPr>
+              <a:t>so that I can prepare for my future Mars voyage</a:t>
             </a:r>
           </a:p>
         </p:txBody>
@@ -6223,7 +6467,12 @@
             <p:ph type="title"/>
           </p:nvPr>
         </p:nvSpPr>
-        <p:spPr/>
+        <p:spPr>
+          <a:xfrm>
+            <a:off x="685801" y="142240"/>
+            <a:ext cx="10131425" cy="1456267"/>
+          </a:xfrm>
+        </p:spPr>
         <p:txBody>
           <a:bodyPr/>
           <a:lstStyle/>
@@ -6254,10 +6503,15 @@
             <p:ph sz="half" idx="1"/>
           </p:nvPr>
         </p:nvSpPr>
-        <p:spPr/>
+        <p:spPr>
+          <a:xfrm>
+            <a:off x="685802" y="1176867"/>
+            <a:ext cx="4995334" cy="5223934"/>
+          </a:xfrm>
+        </p:spPr>
         <p:txBody>
           <a:bodyPr>
-            <a:normAutofit fontScale="92500" lnSpcReduction="20000"/>
+            <a:normAutofit/>
           </a:bodyPr>
           <a:lstStyle/>
           <a:p>
@@ -6310,26 +6564,11 @@
           <a:p>
             <a:pPr lvl="1"/>
             <a:r>
-              <a:rPr lang="en-US">
+              <a:rPr lang="en-US" dirty="0" err="1">
                 <a:cs typeface="Calibri"/>
               </a:rPr>
-              <a:t>BootStrap &amp; emulated BootStrap</a:t>
-            </a:r>
-            <a:endParaRPr lang="en-US" dirty="0">
-              <a:cs typeface="Calibri"/>
-            </a:endParaRPr>
-          </a:p>
-          <a:p>
-            <a:pPr lvl="1"/>
-            <a:r>
-              <a:rPr lang="en-US">
-                <a:cs typeface="Calibri"/>
-              </a:rPr>
-              <a:t>Handlebars</a:t>
-            </a:r>
-            <a:endParaRPr lang="en-US" dirty="0">
-              <a:cs typeface="Calibri"/>
-            </a:endParaRPr>
+              <a:t>BootStrap</a:t>
+            </a:r>
           </a:p>
           <a:p>
             <a:pPr lvl="1"/>
@@ -6337,7 +6576,7 @@
               <a:rPr lang="en-US" dirty="0">
                 <a:cs typeface="Calibri"/>
               </a:rPr>
-              <a:t>Charts.js</a:t>
+              <a:t>Handlebars</a:t>
             </a:r>
           </a:p>
           <a:p>
@@ -6346,7 +6585,7 @@
               <a:rPr lang="en-US" dirty="0">
                 <a:cs typeface="Calibri"/>
               </a:rPr>
-              <a:t>Anime.js</a:t>
+              <a:t>Charts.js</a:t>
             </a:r>
           </a:p>
           <a:p>
@@ -6355,7 +6594,7 @@
               <a:rPr lang="en-US" dirty="0">
                 <a:cs typeface="Calibri"/>
               </a:rPr>
-              <a:t>NASA API</a:t>
+              <a:t>Anime.js</a:t>
             </a:r>
           </a:p>
           <a:p>
@@ -6364,7 +6603,25 @@
               <a:rPr lang="en-US" dirty="0">
                 <a:cs typeface="Calibri"/>
               </a:rPr>
+              <a:t>NASA API</a:t>
+            </a:r>
+          </a:p>
+          <a:p>
+            <a:pPr lvl="1"/>
+            <a:r>
+              <a:rPr lang="en-US" dirty="0">
+                <a:cs typeface="Calibri"/>
+              </a:rPr>
               <a:t>SpaceX API</a:t>
+            </a:r>
+          </a:p>
+          <a:p>
+            <a:pPr lvl="1"/>
+            <a:r>
+              <a:rPr lang="en-US" dirty="0">
+                <a:cs typeface="Calibri"/>
+              </a:rPr>
+              <a:t>...Brainpower!</a:t>
             </a:r>
           </a:p>
         </p:txBody>
@@ -6388,7 +6645,7 @@
         <p:spPr/>
         <p:txBody>
           <a:bodyPr>
-            <a:normAutofit fontScale="92500" lnSpcReduction="20000"/>
+            <a:normAutofit/>
           </a:bodyPr>
           <a:lstStyle/>
           <a:p>
@@ -6396,9 +6653,17 @@
               <a:rPr lang="en-US" dirty="0">
                 <a:cs typeface="Calibri"/>
               </a:rPr>
-              <a:t>Breakdown of tasks and roles:</a:t>
-            </a:r>
-            <a:endParaRPr lang="en-US" dirty="0"/>
+              <a:t>Breakdown of tasks and roles: </a:t>
+            </a:r>
+          </a:p>
+          <a:p>
+            <a:pPr lvl="1"/>
+            <a:r>
+              <a:rPr lang="en-US" dirty="0">
+                <a:cs typeface="Calibri"/>
+              </a:rPr>
+              <a:t>We were in this together!</a:t>
+            </a:r>
           </a:p>
         </p:txBody>
       </p:sp>
@@ -6497,13 +6762,23 @@
               <a:rPr lang="en-US" dirty="0">
                 <a:cs typeface="Calibri"/>
               </a:rPr>
+              <a:t>GET and POST requests</a:t>
+            </a:r>
+          </a:p>
+          <a:p>
+            <a:pPr lvl="1"/>
+            <a:r>
+              <a:rPr lang="en-US" dirty="0">
+                <a:cs typeface="Calibri"/>
+              </a:rPr>
               <a:t>Displaying API data</a:t>
             </a:r>
+            <a:endParaRPr lang="en-US" dirty="0"/>
           </a:p>
           <a:p>
             <a:pPr lvl="1"/>
             <a:r>
-              <a:rPr lang="en-US">
+              <a:rPr lang="en-US" dirty="0">
                 <a:cs typeface="Calibri"/>
               </a:rPr>
               <a:t>Integration of third-party API's</a:t>
@@ -6512,14 +6787,59 @@
           <a:p>
             <a:pPr lvl="1"/>
             <a:r>
-              <a:rPr lang="en-US">
+              <a:rPr lang="en-US" dirty="0">
                 <a:cs typeface="Calibri"/>
               </a:rPr>
-              <a:t>Technologies not playing nice together (BootStrap &amp; Handlebars)</a:t>
-            </a:r>
-            <a:endParaRPr lang="en-US" dirty="0">
-              <a:cs typeface="Calibri"/>
-            </a:endParaRPr>
+              <a:t>Using new technologies and their documentation</a:t>
+            </a:r>
+          </a:p>
+          <a:p>
+            <a:pPr lvl="1"/>
+            <a:r>
+              <a:rPr lang="en-US" dirty="0">
+                <a:cs typeface="Calibri"/>
+              </a:rPr>
+              <a:t>Technologies not playing nice together (</a:t>
+            </a:r>
+            <a:r>
+              <a:rPr lang="en-US" dirty="0" err="1">
+                <a:cs typeface="Calibri"/>
+              </a:rPr>
+              <a:t>BootStrap</a:t>
+            </a:r>
+            <a:r>
+              <a:rPr lang="en-US" dirty="0">
+                <a:cs typeface="Calibri"/>
+              </a:rPr>
+              <a:t> &amp; Handlebars)</a:t>
+            </a:r>
+          </a:p>
+          <a:p>
+            <a:pPr lvl="1"/>
+            <a:r>
+              <a:rPr lang="en-US" dirty="0">
+                <a:cs typeface="Calibri"/>
+              </a:rPr>
+              <a:t>Time-limited Zoom sessions</a:t>
+            </a:r>
+          </a:p>
+          <a:p>
+            <a:pPr lvl="1"/>
+            <a:r>
+              <a:rPr lang="en-US" dirty="0">
+                <a:cs typeface="Calibri"/>
+              </a:rPr>
+              <a:t>GitHub</a:t>
+            </a:r>
+          </a:p>
+          <a:p>
+            <a:pPr lvl="1"/>
+            <a:r>
+              <a:rPr lang="en-US" dirty="0">
+                <a:cs typeface="Calibri"/>
+              </a:rPr>
+              <a:t>...Internet at the Beach</a:t>
+            </a:r>
           </a:p>
         </p:txBody>
       </p:sp>
@@ -6550,7 +6870,66 @@
               </a:rPr>
               <a:t>Successes:</a:t>
             </a:r>
-            <a:endParaRPr lang="en-US" dirty="0"/>
+          </a:p>
+          <a:p>
+            <a:pPr lvl="1"/>
+            <a:r>
+              <a:rPr lang="en-US" dirty="0">
+                <a:cs typeface="Calibri"/>
+              </a:rPr>
+              <a:t>Overcoming our challenges</a:t>
+            </a:r>
+          </a:p>
+          <a:p>
+            <a:pPr lvl="1"/>
+            <a:r>
+              <a:rPr lang="en-US" dirty="0">
+                <a:cs typeface="Calibri"/>
+              </a:rPr>
+              <a:t>Learning new technologies</a:t>
+            </a:r>
+          </a:p>
+          <a:p>
+            <a:pPr lvl="1"/>
+            <a:r>
+              <a:rPr lang="en-US" dirty="0" err="1">
+                <a:cs typeface="Calibri"/>
+              </a:rPr>
+              <a:t>Parallaxing</a:t>
+            </a:r>
+            <a:r>
+              <a:rPr lang="en-US" dirty="0">
+                <a:cs typeface="Calibri"/>
+              </a:rPr>
+              <a:t>!</a:t>
+            </a:r>
+          </a:p>
+          <a:p>
+            <a:pPr lvl="1"/>
+            <a:r>
+              <a:rPr lang="en-US" dirty="0">
+                <a:cs typeface="Calibri"/>
+              </a:rPr>
+              <a:t>Getting to be artsy – Styling &amp; Logos</a:t>
+            </a:r>
+          </a:p>
+          <a:p>
+            <a:pPr lvl="1"/>
+            <a:r>
+              <a:rPr lang="en-US" dirty="0">
+                <a:cs typeface="Calibri"/>
+              </a:rPr>
+              <a:t>Continuous site evolution (automation)</a:t>
+            </a:r>
+          </a:p>
+          <a:p>
+            <a:pPr lvl="1"/>
+            <a:r>
+              <a:rPr lang="en-US" dirty="0">
+                <a:cs typeface="Calibri"/>
+              </a:rPr>
+              <a:t>...Surviving a group of females</a:t>
+            </a:r>
           </a:p>
         </p:txBody>
       </p:sp>
@@ -6636,7 +7015,77 @@
           <a:bodyPr/>
           <a:lstStyle/>
           <a:p>
-            <a:endParaRPr lang="en-US"/>
+            <a:r>
+              <a:rPr lang="en-US">
+                <a:cs typeface="Calibri"/>
+              </a:rPr>
+              <a:t>Email notifications for upcoming launches</a:t>
+            </a:r>
+          </a:p>
+          <a:p>
+            <a:r>
+              <a:rPr lang="en-US" dirty="0">
+                <a:cs typeface="Calibri"/>
+              </a:rPr>
+              <a:t>Random Mars pop-up facts</a:t>
+            </a:r>
+          </a:p>
+          <a:p>
+            <a:r>
+              <a:rPr lang="en-US">
+                <a:cs typeface="Calibri"/>
+              </a:rPr>
+              <a:t>Live streaming launches and rover footage</a:t>
+            </a:r>
+          </a:p>
+          <a:p>
+            <a:r>
+              <a:rPr lang="en-US" dirty="0">
+                <a:cs typeface="Calibri"/>
+              </a:rPr>
+              <a:t>Animated sphere</a:t>
+            </a:r>
+          </a:p>
+          <a:p>
+            <a:r>
+              <a:rPr lang="en-US">
+                <a:cs typeface="Calibri"/>
+              </a:rPr>
+              <a:t>User selection stored to user profiles</a:t>
+            </a:r>
+          </a:p>
+          <a:p>
+            <a:r>
+              <a:rPr lang="en-US" dirty="0">
+                <a:cs typeface="Calibri"/>
+              </a:rPr>
+              <a:t>Reserve rocket seats</a:t>
+            </a:r>
+          </a:p>
+          <a:p>
+            <a:r>
+              <a:rPr lang="en-US" dirty="0">
+                <a:cs typeface="Calibri"/>
+              </a:rPr>
+              <a:t>Reset password</a:t>
+            </a:r>
+          </a:p>
+          <a:p>
+            <a:r>
+              <a:rPr lang="en-US" dirty="0">
+                <a:cs typeface="Calibri"/>
+              </a:rPr>
+              <a:t>Welcome,</a:t>
+            </a:r>
+            <a:r>
+              <a:rPr lang="en-US">
+                <a:cs typeface="Calibri"/>
+              </a:rPr>
+              <a:t> "username" instead of email</a:t>
+            </a:r>
+            <a:endParaRPr lang="en-US" dirty="0">
+              <a:cs typeface="Calibri"/>
+            </a:endParaRPr>
           </a:p>
         </p:txBody>
       </p:sp>
